--- a/Warrior’s Adventure_Presentation.pptx
+++ b/Warrior’s Adventure_Presentation.pptx
@@ -156,6 +156,9 @@
         </p14:section>
       </p14:sectionLst>
     </p:ext>
+    <p:ext uri="{EFAFB233-063F-42B5-8137-9DF3F51BA10A}">
+      <p15:sldGuideLst xmlns:p15="http://schemas.microsoft.com/office/powerpoint/2012/main"/>
+    </p:ext>
   </p:extLst>
 </p:presentation>
 </file>
@@ -170,6 +173,35 @@
     </p:extLst>
   </p:cmAuthor>
 </p:cmAuthorLst>
+</file>
+
+<file path=ppt/changesInfos/changesInfo1.xml><?xml version="1.0" encoding="utf-8"?>
+<pc:chgInfo xmlns:a="http://schemas.openxmlformats.org/drawingml/2006/main" xmlns:r="http://schemas.openxmlformats.org/officeDocument/2006/relationships" xmlns:ac="http://schemas.microsoft.com/office/drawing/2013/main/command" xmlns:pc="http://schemas.microsoft.com/office/powerpoint/2013/main/command">
+  <pc:docChgLst>
+    <pc:chgData name="Lorenzo Paolo Cocchinone" userId="38c52ecd6e43a282" providerId="LiveId" clId="{17CF816F-6D57-4EF6-9F9B-9B7FAAF78300}"/>
+    <pc:docChg chg="modSld">
+      <pc:chgData name="Lorenzo Paolo Cocchinone" userId="38c52ecd6e43a282" providerId="LiveId" clId="{17CF816F-6D57-4EF6-9F9B-9B7FAAF78300}" dt="2020-01-18T17:24:17.110" v="20" actId="20577"/>
+      <pc:docMkLst>
+        <pc:docMk/>
+      </pc:docMkLst>
+      <pc:sldChg chg="modSp">
+        <pc:chgData name="Lorenzo Paolo Cocchinone" userId="38c52ecd6e43a282" providerId="LiveId" clId="{17CF816F-6D57-4EF6-9F9B-9B7FAAF78300}" dt="2020-01-18T17:24:17.110" v="20" actId="20577"/>
+        <pc:sldMkLst>
+          <pc:docMk/>
+          <pc:sldMk cId="2811140983" sldId="284"/>
+        </pc:sldMkLst>
+        <pc:spChg chg="mod">
+          <ac:chgData name="Lorenzo Paolo Cocchinone" userId="38c52ecd6e43a282" providerId="LiveId" clId="{17CF816F-6D57-4EF6-9F9B-9B7FAAF78300}" dt="2020-01-18T17:24:17.110" v="20" actId="20577"/>
+          <ac:spMkLst>
+            <pc:docMk/>
+            <pc:sldMk cId="2811140983" sldId="284"/>
+            <ac:spMk id="2" creationId="{5CC5C0D7-4682-47B3-B67A-D671A9087CC4}"/>
+          </ac:spMkLst>
+        </pc:spChg>
+      </pc:sldChg>
+    </pc:docChg>
+  </pc:docChgLst>
+</pc:chgInfo>
 </file>
 
 <file path=ppt/diagrams/colors1.xml><?xml version="1.0" encoding="utf-8"?>
@@ -30209,8 +30241,13 @@
           <a:p>
             <a:r>
               <a:rPr lang="it-IT" sz="4000" dirty="0"/>
-              <a:t>Object Design Document:</a:t>
+              <a:t>Testing Plan </a:t>
             </a:r>
+            <a:r>
+              <a:rPr lang="it-IT" sz="4000"/>
+              <a:t>document:</a:t>
+            </a:r>
+            <a:endParaRPr lang="it-IT" sz="4000" dirty="0"/>
           </a:p>
         </p:txBody>
       </p:sp>
